--- a/實驗畫面.pptx
+++ b/實驗畫面.pptx
@@ -107,6 +107,11 @@
       </a:defRPr>
     </a:lvl9pPr>
   </p:defaultTextStyle>
+  <p:extLst>
+    <p:ext uri="{EFAFB233-063F-42B5-8137-9DF3F51BA10A}">
+      <p15:sldGuideLst xmlns:p15="http://schemas.microsoft.com/office/powerpoint/2012/main"/>
+    </p:ext>
+  </p:extLst>
 </p:presentation>
 </file>
 
@@ -3398,7 +3403,7 @@
                   <a:schemeClr val="bg1"/>
                 </a:solidFill>
               </a:rPr>
-              <a:t>	96</a:t>
+              <a:t>	100</a:t>
             </a:r>
             <a:r>
               <a:rPr kumimoji="1" lang="zh-Hant" altLang="en-US" sz="2000" b="1" dirty="0">
@@ -4220,7 +4225,7 @@
                   <a:schemeClr val="bg1"/>
                 </a:solidFill>
               </a:rPr>
-              <a:t>	96</a:t>
+              <a:t>	100</a:t>
             </a:r>
             <a:r>
               <a:rPr kumimoji="1" lang="zh-Hant" altLang="en-US" sz="2000" b="1" dirty="0">
@@ -5077,15 +5082,7 @@
                   <a:schemeClr val="bg1"/>
                 </a:solidFill>
               </a:rPr>
-              <a:t>	96</a:t>
-            </a:r>
-            <a:r>
-              <a:rPr kumimoji="1" lang="zh-Hant" altLang="en-US" sz="2000" b="1" dirty="0">
-                <a:solidFill>
-                  <a:schemeClr val="bg1"/>
-                </a:solidFill>
-              </a:rPr>
-              <a:t> </a:t>
+              <a:t>	100 </a:t>
             </a:r>
             <a:r>
               <a:rPr kumimoji="1" lang="en-US" altLang="zh-Hant" sz="2000" b="1" dirty="0">
@@ -5816,15 +5813,15 @@
               <a:t>  </a:t>
             </a:r>
             <a:r>
-              <a:rPr kumimoji="1" lang="en-US" altLang="zh-Hant" sz="2000" b="1" dirty="0">
-                <a:solidFill>
-                  <a:schemeClr val="bg1"/>
-                </a:solidFill>
-              </a:rPr>
-              <a:t>	96</a:t>
-            </a:r>
-            <a:r>
-              <a:rPr kumimoji="1" lang="zh-Hant" altLang="en-US" sz="2000" b="1" dirty="0">
+              <a:rPr kumimoji="1" lang="en-US" altLang="zh-Hant" sz="2000" b="1">
+                <a:solidFill>
+                  <a:schemeClr val="bg1"/>
+                </a:solidFill>
+              </a:rPr>
+              <a:t>	100</a:t>
+            </a:r>
+            <a:r>
+              <a:rPr kumimoji="1" lang="zh-Hant" altLang="en-US" sz="2000" b="1">
                 <a:solidFill>
                   <a:schemeClr val="bg1"/>
                 </a:solidFill>
